--- a/report/ensemblefigure.pptx
+++ b/report/ensemblefigure.pptx
@@ -288,7 +288,7 @@
           <a:p>
             <a:fld id="{B4C856EB-87EE-0E48-8583-3FE68F42E061}" type="datetimeFigureOut">
               <a:rPr lang="en-US" smtClean="0"/>
-              <a:t>12/10/15</a:t>
+              <a:t>12/11/15</a:t>
             </a:fld>
             <a:endParaRPr lang="en-US"/>
           </a:p>
@@ -458,7 +458,7 @@
           <a:p>
             <a:fld id="{B4C856EB-87EE-0E48-8583-3FE68F42E061}" type="datetimeFigureOut">
               <a:rPr lang="en-US" smtClean="0"/>
-              <a:t>12/10/15</a:t>
+              <a:t>12/11/15</a:t>
             </a:fld>
             <a:endParaRPr lang="en-US"/>
           </a:p>
@@ -638,7 +638,7 @@
           <a:p>
             <a:fld id="{B4C856EB-87EE-0E48-8583-3FE68F42E061}" type="datetimeFigureOut">
               <a:rPr lang="en-US" smtClean="0"/>
-              <a:t>12/10/15</a:t>
+              <a:t>12/11/15</a:t>
             </a:fld>
             <a:endParaRPr lang="en-US"/>
           </a:p>
@@ -808,7 +808,7 @@
           <a:p>
             <a:fld id="{B4C856EB-87EE-0E48-8583-3FE68F42E061}" type="datetimeFigureOut">
               <a:rPr lang="en-US" smtClean="0"/>
-              <a:t>12/10/15</a:t>
+              <a:t>12/11/15</a:t>
             </a:fld>
             <a:endParaRPr lang="en-US"/>
           </a:p>
@@ -1054,7 +1054,7 @@
           <a:p>
             <a:fld id="{B4C856EB-87EE-0E48-8583-3FE68F42E061}" type="datetimeFigureOut">
               <a:rPr lang="en-US" smtClean="0"/>
-              <a:t>12/10/15</a:t>
+              <a:t>12/11/15</a:t>
             </a:fld>
             <a:endParaRPr lang="en-US"/>
           </a:p>
@@ -1342,7 +1342,7 @@
           <a:p>
             <a:fld id="{B4C856EB-87EE-0E48-8583-3FE68F42E061}" type="datetimeFigureOut">
               <a:rPr lang="en-US" smtClean="0"/>
-              <a:t>12/10/15</a:t>
+              <a:t>12/11/15</a:t>
             </a:fld>
             <a:endParaRPr lang="en-US"/>
           </a:p>
@@ -1769,7 +1769,7 @@
           <a:p>
             <a:fld id="{B4C856EB-87EE-0E48-8583-3FE68F42E061}" type="datetimeFigureOut">
               <a:rPr lang="en-US" smtClean="0"/>
-              <a:t>12/10/15</a:t>
+              <a:t>12/11/15</a:t>
             </a:fld>
             <a:endParaRPr lang="en-US"/>
           </a:p>
@@ -1887,7 +1887,7 @@
           <a:p>
             <a:fld id="{B4C856EB-87EE-0E48-8583-3FE68F42E061}" type="datetimeFigureOut">
               <a:rPr lang="en-US" smtClean="0"/>
-              <a:t>12/10/15</a:t>
+              <a:t>12/11/15</a:t>
             </a:fld>
             <a:endParaRPr lang="en-US"/>
           </a:p>
@@ -1982,7 +1982,7 @@
           <a:p>
             <a:fld id="{B4C856EB-87EE-0E48-8583-3FE68F42E061}" type="datetimeFigureOut">
               <a:rPr lang="en-US" smtClean="0"/>
-              <a:t>12/10/15</a:t>
+              <a:t>12/11/15</a:t>
             </a:fld>
             <a:endParaRPr lang="en-US"/>
           </a:p>
@@ -2259,7 +2259,7 @@
           <a:p>
             <a:fld id="{B4C856EB-87EE-0E48-8583-3FE68F42E061}" type="datetimeFigureOut">
               <a:rPr lang="en-US" smtClean="0"/>
-              <a:t>12/10/15</a:t>
+              <a:t>12/11/15</a:t>
             </a:fld>
             <a:endParaRPr lang="en-US"/>
           </a:p>
@@ -2512,7 +2512,7 @@
           <a:p>
             <a:fld id="{B4C856EB-87EE-0E48-8583-3FE68F42E061}" type="datetimeFigureOut">
               <a:rPr lang="en-US" smtClean="0"/>
-              <a:t>12/10/15</a:t>
+              <a:t>12/11/15</a:t>
             </a:fld>
             <a:endParaRPr lang="en-US"/>
           </a:p>
@@ -2725,7 +2725,7 @@
           <a:p>
             <a:fld id="{B4C856EB-87EE-0E48-8583-3FE68F42E061}" type="datetimeFigureOut">
               <a:rPr lang="en-US" smtClean="0"/>
-              <a:t>12/10/15</a:t>
+              <a:t>12/11/15</a:t>
             </a:fld>
             <a:endParaRPr lang="en-US"/>
           </a:p>
@@ -3108,7 +3108,7 @@
         </p:nvSpPr>
         <p:spPr>
           <a:xfrm>
-            <a:off x="383501" y="125329"/>
+            <a:off x="347237" y="125329"/>
             <a:ext cx="1554115" cy="430887"/>
           </a:xfrm>
           <a:prstGeom prst="rect">
@@ -3164,7 +3164,7 @@
         </p:nvSpPr>
         <p:spPr>
           <a:xfrm>
-            <a:off x="383501" y="642773"/>
+            <a:off x="347237" y="642773"/>
             <a:ext cx="1554115" cy="430887"/>
           </a:xfrm>
           <a:prstGeom prst="rect">
@@ -3194,23 +3194,16 @@
                 <a:latin typeface="Times New Roman"/>
                 <a:cs typeface="Times New Roman"/>
               </a:rPr>
-              <a:t>Trained </a:t>
-            </a:r>
+              <a:t>Trained Model 2</a:t>
+            </a:r>
+          </a:p>
+          <a:p>
             <a:r>
               <a:rPr lang="en-US" sz="1100" dirty="0" smtClean="0">
                 <a:latin typeface="Times New Roman"/>
                 <a:cs typeface="Times New Roman"/>
               </a:rPr>
-              <a:t>Model 2</a:t>
-            </a:r>
-          </a:p>
-          <a:p>
-            <a:r>
-              <a:rPr lang="en-US" sz="1100" dirty="0" smtClean="0">
-                <a:latin typeface="Times New Roman"/>
-                <a:cs typeface="Times New Roman"/>
-              </a:rPr>
-              <a:t>Stochastic Gradient</a:t>
+              <a:t>KNN</a:t>
             </a:r>
             <a:endParaRPr lang="en-US" sz="1100" dirty="0">
               <a:latin typeface="Times New Roman"/>
@@ -3227,7 +3220,7 @@
         </p:nvSpPr>
         <p:spPr>
           <a:xfrm>
-            <a:off x="385503" y="1163756"/>
+            <a:off x="349239" y="1163756"/>
             <a:ext cx="1554115" cy="430887"/>
           </a:xfrm>
           <a:prstGeom prst="rect">
@@ -3283,7 +3276,7 @@
         </p:nvSpPr>
         <p:spPr>
           <a:xfrm>
-            <a:off x="383501" y="1677661"/>
+            <a:off x="347237" y="1677661"/>
             <a:ext cx="1554115" cy="430887"/>
           </a:xfrm>
           <a:prstGeom prst="rect">
@@ -3339,7 +3332,7 @@
         </p:nvSpPr>
         <p:spPr>
           <a:xfrm>
-            <a:off x="383501" y="2195107"/>
+            <a:off x="347237" y="2195107"/>
             <a:ext cx="1554115" cy="430887"/>
           </a:xfrm>
           <a:prstGeom prst="rect">
@@ -3365,11 +3358,18 @@
           <a:lstStyle/>
           <a:p>
             <a:r>
+              <a:rPr lang="en-US" sz="1100" smtClean="0">
+                <a:latin typeface="Times New Roman"/>
+                <a:cs typeface="Times New Roman"/>
+              </a:rPr>
+              <a:t>Trained Model </a:t>
+            </a:r>
+            <a:r>
               <a:rPr lang="en-US" sz="1100" dirty="0" smtClean="0">
                 <a:latin typeface="Times New Roman"/>
                 <a:cs typeface="Times New Roman"/>
               </a:rPr>
-              <a:t>Trained Model 5</a:t>
+              <a:t>5</a:t>
             </a:r>
           </a:p>
           <a:p>
@@ -3398,8 +3398,8 @@
         </p:nvCxnSpPr>
         <p:spPr>
           <a:xfrm>
-            <a:off x="1937616" y="340773"/>
-            <a:ext cx="902388" cy="1038427"/>
+            <a:off x="1901352" y="340773"/>
+            <a:ext cx="902389" cy="1038427"/>
           </a:xfrm>
           <a:prstGeom prst="straightConnector1">
             <a:avLst/>
@@ -3439,8 +3439,8 @@
         </p:nvCxnSpPr>
         <p:spPr>
           <a:xfrm>
-            <a:off x="1937616" y="858217"/>
-            <a:ext cx="902388" cy="520983"/>
+            <a:off x="1901352" y="858217"/>
+            <a:ext cx="902389" cy="520983"/>
           </a:xfrm>
           <a:prstGeom prst="straightConnector1">
             <a:avLst/>
@@ -3480,8 +3480,8 @@
         </p:nvCxnSpPr>
         <p:spPr>
           <a:xfrm>
-            <a:off x="1939618" y="1379200"/>
-            <a:ext cx="900386" cy="0"/>
+            <a:off x="1903354" y="1379200"/>
+            <a:ext cx="900387" cy="0"/>
           </a:xfrm>
           <a:prstGeom prst="straightConnector1">
             <a:avLst/>
@@ -3521,8 +3521,8 @@
         </p:nvCxnSpPr>
         <p:spPr>
           <a:xfrm flipV="1">
-            <a:off x="1937616" y="1379200"/>
-            <a:ext cx="902388" cy="513905"/>
+            <a:off x="1901352" y="1379200"/>
+            <a:ext cx="902389" cy="513905"/>
           </a:xfrm>
           <a:prstGeom prst="straightConnector1">
             <a:avLst/>
@@ -3562,8 +3562,8 @@
         </p:nvCxnSpPr>
         <p:spPr>
           <a:xfrm flipV="1">
-            <a:off x="1937616" y="1379200"/>
-            <a:ext cx="902388" cy="1031351"/>
+            <a:off x="1901352" y="1379200"/>
+            <a:ext cx="902389" cy="1031351"/>
           </a:xfrm>
           <a:prstGeom prst="straightConnector1">
             <a:avLst/>
@@ -3592,168 +3592,97 @@
           </a:fontRef>
         </p:style>
       </p:cxnSp>
-      <p:grpSp>
-        <p:nvGrpSpPr>
-          <p:cNvPr id="67" name="Group 66"/>
-          <p:cNvGrpSpPr/>
+      <p:sp>
+        <p:nvSpPr>
+          <p:cNvPr id="24" name="TextBox 23"/>
+          <p:cNvSpPr txBox="1"/>
           <p:nvPr/>
-        </p:nvGrpSpPr>
-        <p:grpSpPr>
+        </p:nvSpPr>
+        <p:spPr>
           <a:xfrm>
-            <a:off x="2840004" y="825202"/>
-            <a:ext cx="1526235" cy="1108373"/>
-            <a:chOff x="2586012" y="1323421"/>
-            <a:chExt cx="1526235" cy="1108373"/>
+            <a:off x="2803741" y="740563"/>
+            <a:ext cx="1422400" cy="1277273"/>
           </a:xfrm>
-        </p:grpSpPr>
-        <p:sp>
-          <p:nvSpPr>
-            <p:cNvPr id="24" name="TextBox 23"/>
-            <p:cNvSpPr txBox="1"/>
-            <p:nvPr/>
-          </p:nvSpPr>
-          <p:spPr>
-            <a:xfrm>
-              <a:off x="2586012" y="1323421"/>
-              <a:ext cx="1526235" cy="1107996"/>
-            </a:xfrm>
-            <a:prstGeom prst="rect">
-              <a:avLst/>
-            </a:prstGeom>
+          <a:prstGeom prst="rect">
+            <a:avLst/>
+          </a:prstGeom>
+          <a:solidFill>
+            <a:schemeClr val="tx2">
+              <a:lumMod val="20000"/>
+              <a:lumOff val="80000"/>
+            </a:schemeClr>
+          </a:solidFill>
+          <a:ln w="3175" cmpd="sng">
             <a:solidFill>
-              <a:schemeClr val="tx2">
-                <a:lumMod val="20000"/>
-                <a:lumOff val="80000"/>
-              </a:schemeClr>
+              <a:schemeClr val="tx1"/>
             </a:solidFill>
-            <a:ln w="3175" cmpd="sng">
-              <a:solidFill>
-                <a:schemeClr val="tx1"/>
-              </a:solidFill>
-            </a:ln>
-            <a:effectLst/>
-          </p:spPr>
-          <p:txBody>
-            <a:bodyPr wrap="square" rtlCol="0">
-              <a:spAutoFit/>
-            </a:bodyPr>
-            <a:lstStyle/>
-            <a:p>
-              <a:r>
-                <a:rPr lang="en-US" sz="1100" dirty="0" smtClean="0">
-                  <a:latin typeface="Times New Roman"/>
-                  <a:cs typeface="Times New Roman"/>
-                </a:rPr>
-                <a:t>Ensemble Model</a:t>
-              </a:r>
-              <a:endParaRPr lang="en-US" sz="1100" dirty="0">
+          </a:ln>
+          <a:effectLst/>
+        </p:spPr>
+        <p:txBody>
+          <a:bodyPr wrap="square" rtlCol="0">
+            <a:spAutoFit/>
+          </a:bodyPr>
+          <a:lstStyle/>
+          <a:p>
+            <a:r>
+              <a:rPr lang="en-US" sz="1100" dirty="0" smtClean="0">
                 <a:latin typeface="Times New Roman"/>
                 <a:cs typeface="Times New Roman"/>
-              </a:endParaRPr>
-            </a:p>
-            <a:p>
-              <a:endParaRPr lang="en-US" sz="1100" dirty="0" smtClean="0">
-                <a:latin typeface="Times New Roman"/>
-                <a:cs typeface="Times New Roman"/>
-              </a:endParaRPr>
-            </a:p>
-            <a:p>
-              <a:endParaRPr lang="en-US" sz="1100" dirty="0">
-                <a:latin typeface="Times New Roman"/>
-                <a:cs typeface="Times New Roman"/>
-              </a:endParaRPr>
-            </a:p>
-            <a:p>
-              <a:endParaRPr lang="en-US" sz="1100" dirty="0" smtClean="0">
-                <a:latin typeface="Times New Roman"/>
-                <a:cs typeface="Times New Roman"/>
-              </a:endParaRPr>
-            </a:p>
-            <a:p>
-              <a:endParaRPr lang="en-US" sz="1100" dirty="0">
-                <a:latin typeface="Times New Roman"/>
-                <a:cs typeface="Times New Roman"/>
-              </a:endParaRPr>
-            </a:p>
-            <a:p>
-              <a:endParaRPr lang="en-US" sz="1100" dirty="0">
-                <a:latin typeface="Times New Roman"/>
-                <a:cs typeface="Times New Roman"/>
-              </a:endParaRPr>
-            </a:p>
-          </p:txBody>
-        </p:sp>
-        <p:graphicFrame>
-          <p:nvGraphicFramePr>
-            <p:cNvPr id="46" name="Object 45"/>
-            <p:cNvGraphicFramePr>
-              <a:graphicFrameLocks noChangeAspect="1"/>
-            </p:cNvGraphicFramePr>
-            <p:nvPr>
-              <p:extLst>
-                <p:ext uri="{D42A27DB-BD31-4B8C-83A1-F6EECF244321}">
-                  <p14:modId xmlns:p14="http://schemas.microsoft.com/office/powerpoint/2010/main" val="688046867"/>
-                </p:ext>
-              </p:extLst>
-            </p:nvPr>
-          </p:nvGraphicFramePr>
-          <p:xfrm>
-            <a:off x="2668588" y="1517394"/>
-            <a:ext cx="1346200" cy="914400"/>
-          </p:xfrm>
-          <a:graphic>
-            <a:graphicData uri="http://schemas.openxmlformats.org/presentationml/2006/ole">
-              <mc:AlternateContent xmlns:mc="http://schemas.openxmlformats.org/markup-compatibility/2006">
-                <mc:Choice xmlns:v="urn:schemas-microsoft-com:vml" Requires="v">
-                  <p:oleObj spid="_x0000_s1032" name="Equation" r:id="rId3" imgW="1346200" imgH="914400" progId="Equation.DSMT4">
-                    <p:embed/>
-                  </p:oleObj>
-                </mc:Choice>
-                <mc:Fallback>
-                  <p:oleObj name="Equation" r:id="rId3" imgW="1346200" imgH="914400" progId="Equation.DSMT4">
-                    <p:embed/>
-                    <p:pic>
-                      <p:nvPicPr>
-                        <p:cNvPr id="0" name=""/>
-                        <p:cNvPicPr/>
-                        <p:nvPr/>
-                      </p:nvPicPr>
-                      <p:blipFill>
-                        <a:blip r:embed="rId4"/>
-                        <a:stretch>
-                          <a:fillRect/>
-                        </a:stretch>
-                      </p:blipFill>
-                      <p:spPr>
-                        <a:xfrm>
-                          <a:off x="2668588" y="1517394"/>
-                          <a:ext cx="1346200" cy="914400"/>
-                        </a:xfrm>
-                        <a:prstGeom prst="rect">
-                          <a:avLst/>
-                        </a:prstGeom>
-                      </p:spPr>
-                    </p:pic>
-                  </p:oleObj>
-                </mc:Fallback>
-              </mc:AlternateContent>
-            </a:graphicData>
-          </a:graphic>
-        </p:graphicFrame>
-      </p:grpSp>
+              </a:rPr>
+              <a:t>Ensemble Model</a:t>
+            </a:r>
+          </a:p>
+          <a:p>
+            <a:endParaRPr lang="en-US" sz="1100" dirty="0">
+              <a:latin typeface="Times New Roman"/>
+              <a:cs typeface="Times New Roman"/>
+            </a:endParaRPr>
+          </a:p>
+          <a:p>
+            <a:endParaRPr lang="en-US" sz="1100" dirty="0" smtClean="0">
+              <a:latin typeface="Times New Roman"/>
+              <a:cs typeface="Times New Roman"/>
+            </a:endParaRPr>
+          </a:p>
+          <a:p>
+            <a:endParaRPr lang="en-US" sz="1100" dirty="0">
+              <a:latin typeface="Times New Roman"/>
+              <a:cs typeface="Times New Roman"/>
+            </a:endParaRPr>
+          </a:p>
+          <a:p>
+            <a:endParaRPr lang="en-US" sz="1100" dirty="0" smtClean="0">
+              <a:latin typeface="Times New Roman"/>
+              <a:cs typeface="Times New Roman"/>
+            </a:endParaRPr>
+          </a:p>
+          <a:p>
+            <a:endParaRPr lang="en-US" sz="1100" dirty="0">
+              <a:latin typeface="Times New Roman"/>
+              <a:cs typeface="Times New Roman"/>
+            </a:endParaRPr>
+          </a:p>
+          <a:p>
+            <a:endParaRPr lang="en-US" sz="1100" dirty="0">
+              <a:latin typeface="Times New Roman"/>
+              <a:cs typeface="Times New Roman"/>
+            </a:endParaRPr>
+          </a:p>
+        </p:txBody>
+      </p:sp>
       <p:cxnSp>
         <p:nvCxnSpPr>
           <p:cNvPr id="68" name="Straight Arrow Connector 67"/>
           <p:cNvCxnSpPr>
             <a:stCxn id="24" idx="3"/>
-            <a:endCxn id="72" idx="1"/>
           </p:cNvCxnSpPr>
           <p:nvPr/>
         </p:nvCxnSpPr>
         <p:spPr>
           <a:xfrm>
-            <a:off x="4366239" y="1379200"/>
-            <a:ext cx="458166" cy="1444"/>
+            <a:off x="4226141" y="1379200"/>
+            <a:ext cx="516285" cy="0"/>
           </a:xfrm>
           <a:prstGeom prst="straightConnector1">
             <a:avLst/>
@@ -3784,21 +3713,78 @@
       </p:cxnSp>
       <p:graphicFrame>
         <p:nvGraphicFramePr>
-          <p:cNvPr id="72" name="Object 71"/>
+          <p:cNvPr id="22" name="Object 21"/>
           <p:cNvGraphicFramePr>
             <a:graphicFrameLocks noChangeAspect="1"/>
           </p:cNvGraphicFramePr>
           <p:nvPr>
             <p:extLst>
               <p:ext uri="{D42A27DB-BD31-4B8C-83A1-F6EECF244321}">
-                <p14:modId xmlns:p14="http://schemas.microsoft.com/office/powerpoint/2010/main" val="3620741183"/>
+                <p14:modId xmlns:p14="http://schemas.microsoft.com/office/powerpoint/2010/main" val="3791506763"/>
               </p:ext>
             </p:extLst>
           </p:nvPr>
         </p:nvGraphicFramePr>
         <p:xfrm>
-          <a:off x="4824405" y="1279044"/>
-          <a:ext cx="165100" cy="203200"/>
+          <a:off x="2808277" y="922606"/>
+          <a:ext cx="1445844" cy="1104842"/>
+        </p:xfrm>
+        <a:graphic>
+          <a:graphicData uri="http://schemas.openxmlformats.org/presentationml/2006/ole">
+            <mc:AlternateContent xmlns:mc="http://schemas.openxmlformats.org/markup-compatibility/2006">
+              <mc:Choice xmlns:v="urn:schemas-microsoft-com:vml" Requires="v">
+                <p:oleObj spid="_x0000_s1032" name="Equation" r:id="rId3" imgW="1346200" imgH="914400" progId="Equation.DSMT4">
+                  <p:embed/>
+                </p:oleObj>
+              </mc:Choice>
+              <mc:Fallback>
+                <p:oleObj name="Equation" r:id="rId3" imgW="1346200" imgH="914400" progId="Equation.DSMT4">
+                  <p:embed/>
+                  <p:pic>
+                    <p:nvPicPr>
+                      <p:cNvPr id="0" name=""/>
+                      <p:cNvPicPr/>
+                      <p:nvPr/>
+                    </p:nvPicPr>
+                    <p:blipFill>
+                      <a:blip r:embed="rId4"/>
+                      <a:stretch>
+                        <a:fillRect/>
+                      </a:stretch>
+                    </p:blipFill>
+                    <p:spPr>
+                      <a:xfrm>
+                        <a:off x="2808277" y="922606"/>
+                        <a:ext cx="1445844" cy="1104842"/>
+                      </a:xfrm>
+                      <a:prstGeom prst="rect">
+                        <a:avLst/>
+                      </a:prstGeom>
+                    </p:spPr>
+                  </p:pic>
+                </p:oleObj>
+              </mc:Fallback>
+            </mc:AlternateContent>
+          </a:graphicData>
+        </a:graphic>
+      </p:graphicFrame>
+      <p:graphicFrame>
+        <p:nvGraphicFramePr>
+          <p:cNvPr id="51" name="Object 50"/>
+          <p:cNvGraphicFramePr>
+            <a:graphicFrameLocks noChangeAspect="1"/>
+          </p:cNvGraphicFramePr>
+          <p:nvPr>
+            <p:extLst>
+              <p:ext uri="{D42A27DB-BD31-4B8C-83A1-F6EECF244321}">
+                <p14:modId xmlns:p14="http://schemas.microsoft.com/office/powerpoint/2010/main" val="4202254929"/>
+              </p:ext>
+            </p:extLst>
+          </p:nvPr>
+        </p:nvGraphicFramePr>
+        <p:xfrm>
+          <a:off x="4742897" y="1256169"/>
+          <a:ext cx="176212" cy="246062"/>
         </p:xfrm>
         <a:graphic>
           <a:graphicData uri="http://schemas.openxmlformats.org/presentationml/2006/ole">
@@ -3825,8 +3811,8 @@
                     </p:blipFill>
                     <p:spPr>
                       <a:xfrm>
-                        <a:off x="4824405" y="1279044"/>
-                        <a:ext cx="165100" cy="203200"/>
+                        <a:off x="4742897" y="1256169"/>
+                        <a:ext cx="176212" cy="246062"/>
                       </a:xfrm>
                       <a:prstGeom prst="rect">
                         <a:avLst/>
